--- a/Jahresziele/2015/ABBYY/Intro.pptx
+++ b/Jahresziele/2015/ABBYY/Intro.pptx
@@ -201,7 +201,7 @@
             <a:fld id="{A8ADFD5B-A66C-449C-B6E8-FB716D07777D}" type="datetimeFigureOut">
               <a:rPr lang="de-DE"/>
               <a:pPr/>
-              <a:t>16.12.2015</a:t>
+              <a:t>17.12.2015</a:t>
             </a:fld>
             <a:endParaRPr lang="de-DE"/>
           </a:p>
@@ -3641,7 +3641,7 @@
                               <p:par>
                                 <p:cTn id="21" presetID="1" presetClass="entr" presetSubtype="0" fill="hold" grpId="0" nodeType="withEffect" nodePh="1">
                                   <p:stCondLst>
-                                    <p:cond delay="7000"/>
+                                    <p:cond delay="30000"/>
                                   </p:stCondLst>
                                   <p:endCondLst>
                                     <p:cond evt="begin" delay="0">

--- a/Jahresziele/2015/ABBYY/Intro.pptx
+++ b/Jahresziele/2015/ABBYY/Intro.pptx
@@ -201,7 +201,7 @@
             <a:fld id="{A8ADFD5B-A66C-449C-B6E8-FB716D07777D}" type="datetimeFigureOut">
               <a:rPr lang="de-DE"/>
               <a:pPr/>
-              <a:t>17.12.2015</a:t>
+              <a:t>18.12.2015</a:t>
             </a:fld>
             <a:endParaRPr lang="de-DE"/>
           </a:p>
@@ -377,7 +377,7 @@
     </p:spTree>
     <p:extLst>
       <p:ext uri="{BB962C8B-B14F-4D97-AF65-F5344CB8AC3E}">
-        <p14:creationId xmlns:p14="http://schemas.microsoft.com/office/powerpoint/2010/main" val="1907857566"/>
+        <p14:creationId xmlns:p14="http://schemas.microsoft.com/office/powerpoint/2010/main" xmlns="" val="1907857566"/>
       </p:ext>
     </p:extLst>
   </p:cSld>
@@ -553,7 +553,7 @@
     </p:spTree>
     <p:extLst>
       <p:ext uri="{BB962C8B-B14F-4D97-AF65-F5344CB8AC3E}">
-        <p14:creationId xmlns:p14="http://schemas.microsoft.com/office/powerpoint/2010/main" val="325568466"/>
+        <p14:creationId xmlns:p14="http://schemas.microsoft.com/office/powerpoint/2010/main" xmlns="" val="325568466"/>
       </p:ext>
     </p:extLst>
   </p:cSld>
@@ -638,7 +638,7 @@
     </p:spTree>
     <p:extLst>
       <p:ext uri="{BB962C8B-B14F-4D97-AF65-F5344CB8AC3E}">
-        <p14:creationId xmlns:p14="http://schemas.microsoft.com/office/powerpoint/2010/main" val="2279025156"/>
+        <p14:creationId xmlns:p14="http://schemas.microsoft.com/office/powerpoint/2010/main" xmlns="" val="2279025156"/>
       </p:ext>
     </p:extLst>
   </p:cSld>
@@ -723,7 +723,7 @@
     </p:spTree>
     <p:extLst>
       <p:ext uri="{BB962C8B-B14F-4D97-AF65-F5344CB8AC3E}">
-        <p14:creationId xmlns:p14="http://schemas.microsoft.com/office/powerpoint/2010/main" val="2279025156"/>
+        <p14:creationId xmlns:p14="http://schemas.microsoft.com/office/powerpoint/2010/main" xmlns="" val="2279025156"/>
       </p:ext>
     </p:extLst>
   </p:cSld>
@@ -808,7 +808,7 @@
     </p:spTree>
     <p:extLst>
       <p:ext uri="{BB962C8B-B14F-4D97-AF65-F5344CB8AC3E}">
-        <p14:creationId xmlns:p14="http://schemas.microsoft.com/office/powerpoint/2010/main" val="2279025156"/>
+        <p14:creationId xmlns:p14="http://schemas.microsoft.com/office/powerpoint/2010/main" xmlns="" val="2279025156"/>
       </p:ext>
     </p:extLst>
   </p:cSld>
@@ -2600,8 +2600,8 @@
         </p:nvCxnSpPr>
         <p:spPr>
           <a:xfrm flipH="1" flipV="1">
-            <a:off x="0" y="730022"/>
-            <a:ext cx="1584752" cy="195148"/>
+            <a:off x="0" y="771550"/>
+            <a:ext cx="1584752" cy="153620"/>
           </a:xfrm>
           <a:prstGeom prst="straightConnector1">
             <a:avLst/>
@@ -2679,10 +2679,53 @@
           </a:p>
         </p:txBody>
       </p:sp>
+      <p:cxnSp>
+        <p:nvCxnSpPr>
+          <p:cNvPr id="8" name="Gerade Verbindung mit Pfeil 7"/>
+          <p:cNvCxnSpPr/>
+          <p:nvPr/>
+        </p:nvCxnSpPr>
+        <p:spPr>
+          <a:xfrm flipH="1">
+            <a:off x="0" y="1419622"/>
+            <a:ext cx="2411760" cy="144016"/>
+          </a:xfrm>
+          <a:prstGeom prst="straightConnector1">
+            <a:avLst/>
+          </a:prstGeom>
+          <a:ln w="63500">
+            <a:solidFill>
+              <a:srgbClr val="C00000"/>
+            </a:solidFill>
+            <a:tailEnd type="arrow"/>
+          </a:ln>
+          <a:effectLst>
+            <a:outerShdw blurRad="190500" dist="50800" dir="5400000" sx="85000" sy="85000" algn="ctr" rotWithShape="0">
+              <a:srgbClr val="000000">
+                <a:alpha val="54000"/>
+              </a:srgbClr>
+            </a:outerShdw>
+          </a:effectLst>
+        </p:spPr>
+        <p:style>
+          <a:lnRef idx="1">
+            <a:schemeClr val="accent1"/>
+          </a:lnRef>
+          <a:fillRef idx="0">
+            <a:schemeClr val="accent1"/>
+          </a:fillRef>
+          <a:effectRef idx="0">
+            <a:schemeClr val="accent1"/>
+          </a:effectRef>
+          <a:fontRef idx="minor">
+            <a:schemeClr val="tx1"/>
+          </a:fontRef>
+        </p:style>
+      </p:cxnSp>
     </p:spTree>
     <p:extLst>
       <p:ext uri="{BB962C8B-B14F-4D97-AF65-F5344CB8AC3E}">
-        <p14:creationId xmlns:p14="http://schemas.microsoft.com/office/powerpoint/2010/main" val="1423723152"/>
+        <p14:creationId xmlns:p14="http://schemas.microsoft.com/office/powerpoint/2010/main" xmlns="" val="1423723152"/>
       </p:ext>
     </p:extLst>
   </p:cSld>
@@ -3048,20 +3091,102 @@
                                   </p:childTnLst>
                                 </p:cTn>
                               </p:par>
+                            </p:childTnLst>
+                          </p:cTn>
+                        </p:par>
+                        <p:par>
+                          <p:cTn id="26" fill="hold">
+                            <p:stCondLst>
+                              <p:cond delay="8450"/>
+                            </p:stCondLst>
+                            <p:childTnLst>
                               <p:par>
-                                <p:cTn id="26" presetID="1" presetClass="entr" presetSubtype="0" fill="hold" grpId="0" nodeType="withEffect" nodePh="1">
+                                <p:cTn id="27" presetID="2" presetClass="entr" presetSubtype="8" fill="hold" nodeType="afterEffect">
                                   <p:stCondLst>
-                                    <p:cond delay="7000"/>
+                                    <p:cond delay="300"/>
+                                  </p:stCondLst>
+                                  <p:childTnLst>
+                                    <p:set>
+                                      <p:cBhvr>
+                                        <p:cTn id="28" dur="1" fill="hold">
+                                          <p:stCondLst>
+                                            <p:cond delay="0"/>
+                                          </p:stCondLst>
+                                        </p:cTn>
+                                        <p:tgtEl>
+                                          <p:spTgt spid="8"/>
+                                        </p:tgtEl>
+                                        <p:attrNameLst>
+                                          <p:attrName>style.visibility</p:attrName>
+                                        </p:attrNameLst>
+                                      </p:cBhvr>
+                                      <p:to>
+                                        <p:strVal val="visible"/>
+                                      </p:to>
+                                    </p:set>
+                                    <p:anim calcmode="lin" valueType="num">
+                                      <p:cBhvr additive="base">
+                                        <p:cTn id="29" dur="150" fill="hold"/>
+                                        <p:tgtEl>
+                                          <p:spTgt spid="8"/>
+                                        </p:tgtEl>
+                                        <p:attrNameLst>
+                                          <p:attrName>ppt_x</p:attrName>
+                                        </p:attrNameLst>
+                                      </p:cBhvr>
+                                      <p:tavLst>
+                                        <p:tav tm="0">
+                                          <p:val>
+                                            <p:strVal val="0-#ppt_w/2"/>
+                                          </p:val>
+                                        </p:tav>
+                                        <p:tav tm="100000">
+                                          <p:val>
+                                            <p:strVal val="#ppt_x"/>
+                                          </p:val>
+                                        </p:tav>
+                                      </p:tavLst>
+                                    </p:anim>
+                                    <p:anim calcmode="lin" valueType="num">
+                                      <p:cBhvr additive="base">
+                                        <p:cTn id="30" dur="150" fill="hold"/>
+                                        <p:tgtEl>
+                                          <p:spTgt spid="8"/>
+                                        </p:tgtEl>
+                                        <p:attrNameLst>
+                                          <p:attrName>ppt_y</p:attrName>
+                                        </p:attrNameLst>
+                                      </p:cBhvr>
+                                      <p:tavLst>
+                                        <p:tav tm="0">
+                                          <p:val>
+                                            <p:strVal val="#ppt_y"/>
+                                          </p:val>
+                                        </p:tav>
+                                        <p:tav tm="100000">
+                                          <p:val>
+                                            <p:strVal val="#ppt_y"/>
+                                          </p:val>
+                                        </p:tav>
+                                      </p:tavLst>
+                                    </p:anim>
+                                  </p:childTnLst>
+                                </p:cTn>
+                              </p:par>
+                              <p:par>
+                                <p:cTn id="31" presetID="1" presetClass="entr" presetSubtype="0" fill="hold" grpId="0" nodeType="withEffect" nodePh="1">
+                                  <p:stCondLst>
+                                    <p:cond delay="10000"/>
                                   </p:stCondLst>
                                   <p:endCondLst>
                                     <p:cond evt="begin" delay="0">
-                                      <p:tn val="26"/>
+                                      <p:tn val="31"/>
                                     </p:cond>
                                   </p:endCondLst>
                                   <p:childTnLst>
                                     <p:set>
                                       <p:cBhvr>
-                                        <p:cTn id="27" dur="1" fill="hold">
+                                        <p:cTn id="32" dur="1" fill="hold">
                                           <p:stCondLst>
                                             <p:cond delay="199"/>
                                           </p:stCondLst>
@@ -3354,7 +3479,7 @@
     </p:spTree>
     <p:extLst>
       <p:ext uri="{BB962C8B-B14F-4D97-AF65-F5344CB8AC3E}">
-        <p14:creationId xmlns:p14="http://schemas.microsoft.com/office/powerpoint/2010/main" val="36908405"/>
+        <p14:creationId xmlns:p14="http://schemas.microsoft.com/office/powerpoint/2010/main" xmlns="" val="36908405"/>
       </p:ext>
     </p:extLst>
   </p:cSld>
